--- a/part A.pptx
+++ b/part A.pptx
@@ -127,6 +127,11 @@
       </a:defRPr>
     </a:lvl9pPr>
   </p:defaultTextStyle>
+  <p:extLst>
+    <p:ext uri="{EFAFB233-063F-42B5-8137-9DF3F51BA10A}">
+      <p15:sldGuideLst xmlns:p15="http://schemas.microsoft.com/office/powerpoint/2012/main"/>
+    </p:ext>
+  </p:extLst>
 </p:presentation>
 </file>
 
@@ -212,7 +217,7 @@
           <a:p>
             <a:fld id="{7D715F24-CBBE-4FFF-A96B-5B000D77768C}" type="datetimeFigureOut">
               <a:rPr lang="he-IL" smtClean="0"/>
-              <a:t>כ"א/תשרי/תשפ"ג</a:t>
+              <a:t>י'/סיון/תשפ"ד</a:t>
             </a:fld>
             <a:endParaRPr lang="he-IL"/>
           </a:p>
@@ -4527,7 +4532,7 @@
           <a:p>
             <a:fld id="{C003E624-DB9F-4690-A489-3D4CFDB14191}" type="datetimeFigureOut">
               <a:rPr lang="he-IL" smtClean="0"/>
-              <a:t>כ"א/תשרי/תשפ"ג</a:t>
+              <a:t>י'/סיון/תשפ"ד</a:t>
             </a:fld>
             <a:endParaRPr lang="he-IL"/>
           </a:p>
@@ -4725,7 +4730,7 @@
           <a:p>
             <a:fld id="{C003E624-DB9F-4690-A489-3D4CFDB14191}" type="datetimeFigureOut">
               <a:rPr lang="he-IL" smtClean="0"/>
-              <a:t>כ"א/תשרי/תשפ"ג</a:t>
+              <a:t>י'/סיון/תשפ"ד</a:t>
             </a:fld>
             <a:endParaRPr lang="he-IL"/>
           </a:p>
@@ -4933,7 +4938,7 @@
           <a:p>
             <a:fld id="{C003E624-DB9F-4690-A489-3D4CFDB14191}" type="datetimeFigureOut">
               <a:rPr lang="he-IL" smtClean="0"/>
-              <a:t>כ"א/תשרי/תשפ"ג</a:t>
+              <a:t>י'/סיון/תשפ"ד</a:t>
             </a:fld>
             <a:endParaRPr lang="he-IL"/>
           </a:p>
@@ -5395,7 +5400,7 @@
           <a:p>
             <a:fld id="{C003E624-DB9F-4690-A489-3D4CFDB14191}" type="datetimeFigureOut">
               <a:rPr lang="he-IL" smtClean="0"/>
-              <a:t>כ"א/תשרי/תשפ"ג</a:t>
+              <a:t>י'/סיון/תשפ"ד</a:t>
             </a:fld>
             <a:endParaRPr lang="he-IL"/>
           </a:p>
@@ -5670,7 +5675,7 @@
           <a:p>
             <a:fld id="{C003E624-DB9F-4690-A489-3D4CFDB14191}" type="datetimeFigureOut">
               <a:rPr lang="he-IL" smtClean="0"/>
-              <a:t>כ"א/תשרי/תשפ"ג</a:t>
+              <a:t>י'/סיון/תשפ"ד</a:t>
             </a:fld>
             <a:endParaRPr lang="he-IL"/>
           </a:p>
@@ -5935,7 +5940,7 @@
           <a:p>
             <a:fld id="{C003E624-DB9F-4690-A489-3D4CFDB14191}" type="datetimeFigureOut">
               <a:rPr lang="he-IL" smtClean="0"/>
-              <a:t>כ"א/תשרי/תשפ"ג</a:t>
+              <a:t>י'/סיון/תשפ"ד</a:t>
             </a:fld>
             <a:endParaRPr lang="he-IL"/>
           </a:p>
@@ -6347,7 +6352,7 @@
           <a:p>
             <a:fld id="{C003E624-DB9F-4690-A489-3D4CFDB14191}" type="datetimeFigureOut">
               <a:rPr lang="he-IL" smtClean="0"/>
-              <a:t>כ"א/תשרי/תשפ"ג</a:t>
+              <a:t>י'/סיון/תשפ"ד</a:t>
             </a:fld>
             <a:endParaRPr lang="he-IL"/>
           </a:p>
@@ -6488,7 +6493,7 @@
           <a:p>
             <a:fld id="{C003E624-DB9F-4690-A489-3D4CFDB14191}" type="datetimeFigureOut">
               <a:rPr lang="he-IL" smtClean="0"/>
-              <a:t>כ"א/תשרי/תשפ"ג</a:t>
+              <a:t>י'/סיון/תשפ"ד</a:t>
             </a:fld>
             <a:endParaRPr lang="he-IL"/>
           </a:p>
@@ -6601,7 +6606,7 @@
           <a:p>
             <a:fld id="{C003E624-DB9F-4690-A489-3D4CFDB14191}" type="datetimeFigureOut">
               <a:rPr lang="he-IL" smtClean="0"/>
-              <a:t>כ"א/תשרי/תשפ"ג</a:t>
+              <a:t>י'/סיון/תשפ"ד</a:t>
             </a:fld>
             <a:endParaRPr lang="he-IL"/>
           </a:p>
@@ -6912,7 +6917,7 @@
           <a:p>
             <a:fld id="{C003E624-DB9F-4690-A489-3D4CFDB14191}" type="datetimeFigureOut">
               <a:rPr lang="he-IL" smtClean="0"/>
-              <a:t>כ"א/תשרי/תשפ"ג</a:t>
+              <a:t>י'/סיון/תשפ"ד</a:t>
             </a:fld>
             <a:endParaRPr lang="he-IL"/>
           </a:p>
@@ -7200,7 +7205,7 @@
           <a:p>
             <a:fld id="{C003E624-DB9F-4690-A489-3D4CFDB14191}" type="datetimeFigureOut">
               <a:rPr lang="he-IL" smtClean="0"/>
-              <a:t>כ"א/תשרי/תשפ"ג</a:t>
+              <a:t>י'/סיון/תשפ"ד</a:t>
             </a:fld>
             <a:endParaRPr lang="he-IL"/>
           </a:p>
@@ -7441,7 +7446,7 @@
           <a:p>
             <a:fld id="{C003E624-DB9F-4690-A489-3D4CFDB14191}" type="datetimeFigureOut">
               <a:rPr lang="he-IL" smtClean="0"/>
-              <a:t>כ"א/תשרי/תשפ"ג</a:t>
+              <a:t>י'/סיון/תשפ"ד</a:t>
             </a:fld>
             <a:endParaRPr lang="he-IL"/>
           </a:p>
@@ -13162,15 +13167,35 @@
             </a:r>
             <a:r>
               <a:rPr lang="he-IL" dirty="0"/>
-              <a:t> אל תוך עץ ה-</a:t>
-            </a:r>
-            <a:r>
-              <a:rPr lang="en-US" dirty="0"/>
+              <a:t> </a:t>
+            </a:r>
+            <a:r>
+              <a:rPr lang="he-IL" dirty="0">
+                <a:highlight>
+                  <a:srgbClr val="FFFF00"/>
+                </a:highlight>
+              </a:rPr>
+              <a:t>אל תוך עץ ה-</a:t>
+            </a:r>
+            <a:r>
+              <a:rPr lang="en-US" dirty="0">
+                <a:highlight>
+                  <a:srgbClr val="FFFF00"/>
+                </a:highlight>
+              </a:rPr>
               <a:t>DOM</a:t>
             </a:r>
             <a:r>
+              <a:rPr lang="he-IL" dirty="0">
+                <a:highlight>
+                  <a:srgbClr val="FFFF00"/>
+                </a:highlight>
+              </a:rPr>
+              <a:t> </a:t>
+            </a:r>
+            <a:r>
               <a:rPr lang="he-IL" dirty="0"/>
-              <a:t> (למידה עצמית).</a:t>
+              <a:t>(למידה עצמית).</a:t>
             </a:r>
           </a:p>
           <a:p>
